--- a/topic-04/talk-01/Image Classification.pptx
+++ b/topic-04/talk-01/Image Classification.pptx
@@ -4,6 +4,9 @@
   <p:sldMasterIdLst>
     <p:sldMasterId id="2147483648" r:id="rId1"/>
   </p:sldMasterIdLst>
+  <p:notesMasterIdLst>
+    <p:notesMasterId r:id="rId10"/>
+  </p:notesMasterIdLst>
   <p:sldIdLst>
     <p:sldId id="256" r:id="rId2"/>
     <p:sldId id="257" r:id="rId3"/>
@@ -983,13 +986,8 @@
         <a:p>
           <a:r>
             <a:rPr lang="en-IE" dirty="0"/>
-            <a:t>Detect subtle differences(disease, </a:t>
+            <a:t>Detect subtle differences(disease, bruising)</a:t>
           </a:r>
-          <a:r>
-            <a:rPr lang="en-IE" dirty="0" err="1"/>
-            <a:t>buising</a:t>
-          </a:r>
-          <a:endParaRPr lang="en-IE" dirty="0"/>
         </a:p>
       </dgm:t>
     </dgm:pt>
@@ -1528,13 +1526,8 @@
           </a:pPr>
           <a:r>
             <a:rPr lang="en-IE" sz="1700" kern="1200" dirty="0"/>
-            <a:t>Detect subtle differences(disease, </a:t>
+            <a:t>Detect subtle differences(disease, bruising)</a:t>
           </a:r>
-          <a:r>
-            <a:rPr lang="en-IE" sz="1700" kern="1200" dirty="0" err="1"/>
-            <a:t>buising</a:t>
-          </a:r>
-          <a:endParaRPr lang="en-IE" sz="1700" kern="1200" dirty="0"/>
         </a:p>
       </dsp:txBody>
       <dsp:txXfrm>
@@ -2726,6 +2719,694 @@
 </dgm:styleDef>
 </file>
 
+<file path=ppt/notesMasters/notesMaster1.xml><?xml version="1.0" encoding="utf-8"?>
+<p:notesMaster xmlns:a="http://schemas.openxmlformats.org/drawingml/2006/main" xmlns:r="http://schemas.openxmlformats.org/officeDocument/2006/relationships" xmlns:p="http://schemas.openxmlformats.org/presentationml/2006/main">
+  <p:cSld>
+    <p:bg>
+      <p:bgRef idx="1001">
+        <a:schemeClr val="bg1"/>
+      </p:bgRef>
+    </p:bg>
+    <p:spTree>
+      <p:nvGrpSpPr>
+        <p:cNvPr id="1" name=""/>
+        <p:cNvGrpSpPr/>
+        <p:nvPr/>
+      </p:nvGrpSpPr>
+      <p:grpSpPr>
+        <a:xfrm>
+          <a:off x="0" y="0"/>
+          <a:ext cx="0" cy="0"/>
+          <a:chOff x="0" y="0"/>
+          <a:chExt cx="0" cy="0"/>
+        </a:xfrm>
+      </p:grpSpPr>
+      <p:sp>
+        <p:nvSpPr>
+          <p:cNvPr id="2" name="Header Placeholder 1"/>
+          <p:cNvSpPr>
+            <a:spLocks noGrp="1"/>
+          </p:cNvSpPr>
+          <p:nvPr>
+            <p:ph type="hdr" sz="quarter"/>
+          </p:nvPr>
+        </p:nvSpPr>
+        <p:spPr>
+          <a:xfrm>
+            <a:off x="0" y="0"/>
+            <a:ext cx="2971800" cy="458788"/>
+          </a:xfrm>
+          <a:prstGeom prst="rect">
+            <a:avLst/>
+          </a:prstGeom>
+        </p:spPr>
+        <p:txBody>
+          <a:bodyPr vert="horz" lIns="91440" tIns="45720" rIns="91440" bIns="45720" rtlCol="0"/>
+          <a:lstStyle>
+            <a:lvl1pPr algn="l">
+              <a:defRPr sz="1200"/>
+            </a:lvl1pPr>
+          </a:lstStyle>
+          <a:p>
+            <a:endParaRPr lang="en-IE"/>
+          </a:p>
+        </p:txBody>
+      </p:sp>
+      <p:sp>
+        <p:nvSpPr>
+          <p:cNvPr id="3" name="Date Placeholder 2"/>
+          <p:cNvSpPr>
+            <a:spLocks noGrp="1"/>
+          </p:cNvSpPr>
+          <p:nvPr>
+            <p:ph type="dt" idx="1"/>
+          </p:nvPr>
+        </p:nvSpPr>
+        <p:spPr>
+          <a:xfrm>
+            <a:off x="3884613" y="0"/>
+            <a:ext cx="2971800" cy="458788"/>
+          </a:xfrm>
+          <a:prstGeom prst="rect">
+            <a:avLst/>
+          </a:prstGeom>
+        </p:spPr>
+        <p:txBody>
+          <a:bodyPr vert="horz" lIns="91440" tIns="45720" rIns="91440" bIns="45720" rtlCol="0"/>
+          <a:lstStyle>
+            <a:lvl1pPr algn="r">
+              <a:defRPr sz="1200"/>
+            </a:lvl1pPr>
+          </a:lstStyle>
+          <a:p>
+            <a:fld id="{4F832779-8DA3-4C1E-A59C-669AA92B4F41}" type="datetimeFigureOut">
+              <a:rPr lang="en-IE" smtClean="0"/>
+              <a:t>10/03/2025</a:t>
+            </a:fld>
+            <a:endParaRPr lang="en-IE"/>
+          </a:p>
+        </p:txBody>
+      </p:sp>
+      <p:sp>
+        <p:nvSpPr>
+          <p:cNvPr id="4" name="Slide Image Placeholder 3"/>
+          <p:cNvSpPr>
+            <a:spLocks noGrp="1" noRot="1" noChangeAspect="1"/>
+          </p:cNvSpPr>
+          <p:nvPr>
+            <p:ph type="sldImg" idx="2"/>
+          </p:nvPr>
+        </p:nvSpPr>
+        <p:spPr>
+          <a:xfrm>
+            <a:off x="685800" y="1143000"/>
+            <a:ext cx="5486400" cy="3086100"/>
+          </a:xfrm>
+          <a:prstGeom prst="rect">
+            <a:avLst/>
+          </a:prstGeom>
+          <a:noFill/>
+          <a:ln w="12700">
+            <a:solidFill>
+              <a:prstClr val="black"/>
+            </a:solidFill>
+          </a:ln>
+        </p:spPr>
+        <p:txBody>
+          <a:bodyPr vert="horz" lIns="91440" tIns="45720" rIns="91440" bIns="45720" rtlCol="0" anchor="ctr"/>
+          <a:lstStyle/>
+          <a:p>
+            <a:endParaRPr lang="en-IE"/>
+          </a:p>
+        </p:txBody>
+      </p:sp>
+      <p:sp>
+        <p:nvSpPr>
+          <p:cNvPr id="5" name="Notes Placeholder 4"/>
+          <p:cNvSpPr>
+            <a:spLocks noGrp="1"/>
+          </p:cNvSpPr>
+          <p:nvPr>
+            <p:ph type="body" sz="quarter" idx="3"/>
+          </p:nvPr>
+        </p:nvSpPr>
+        <p:spPr>
+          <a:xfrm>
+            <a:off x="685800" y="4400550"/>
+            <a:ext cx="5486400" cy="3600450"/>
+          </a:xfrm>
+          <a:prstGeom prst="rect">
+            <a:avLst/>
+          </a:prstGeom>
+        </p:spPr>
+        <p:txBody>
+          <a:bodyPr vert="horz" lIns="91440" tIns="45720" rIns="91440" bIns="45720" rtlCol="0"/>
+          <a:lstStyle/>
+          <a:p>
+            <a:pPr lvl="0"/>
+            <a:r>
+              <a:rPr lang="en-GB"/>
+              <a:t>Click to edit Master text styles</a:t>
+            </a:r>
+          </a:p>
+          <a:p>
+            <a:pPr lvl="1"/>
+            <a:r>
+              <a:rPr lang="en-GB"/>
+              <a:t>Second level</a:t>
+            </a:r>
+          </a:p>
+          <a:p>
+            <a:pPr lvl="2"/>
+            <a:r>
+              <a:rPr lang="en-GB"/>
+              <a:t>Third level</a:t>
+            </a:r>
+          </a:p>
+          <a:p>
+            <a:pPr lvl="3"/>
+            <a:r>
+              <a:rPr lang="en-GB"/>
+              <a:t>Fourth level</a:t>
+            </a:r>
+          </a:p>
+          <a:p>
+            <a:pPr lvl="4"/>
+            <a:r>
+              <a:rPr lang="en-GB"/>
+              <a:t>Fifth level</a:t>
+            </a:r>
+            <a:endParaRPr lang="en-IE"/>
+          </a:p>
+        </p:txBody>
+      </p:sp>
+      <p:sp>
+        <p:nvSpPr>
+          <p:cNvPr id="6" name="Footer Placeholder 5"/>
+          <p:cNvSpPr>
+            <a:spLocks noGrp="1"/>
+          </p:cNvSpPr>
+          <p:nvPr>
+            <p:ph type="ftr" sz="quarter" idx="4"/>
+          </p:nvPr>
+        </p:nvSpPr>
+        <p:spPr>
+          <a:xfrm>
+            <a:off x="0" y="8685213"/>
+            <a:ext cx="2971800" cy="458787"/>
+          </a:xfrm>
+          <a:prstGeom prst="rect">
+            <a:avLst/>
+          </a:prstGeom>
+        </p:spPr>
+        <p:txBody>
+          <a:bodyPr vert="horz" lIns="91440" tIns="45720" rIns="91440" bIns="45720" rtlCol="0" anchor="b"/>
+          <a:lstStyle>
+            <a:lvl1pPr algn="l">
+              <a:defRPr sz="1200"/>
+            </a:lvl1pPr>
+          </a:lstStyle>
+          <a:p>
+            <a:endParaRPr lang="en-IE"/>
+          </a:p>
+        </p:txBody>
+      </p:sp>
+      <p:sp>
+        <p:nvSpPr>
+          <p:cNvPr id="7" name="Slide Number Placeholder 6"/>
+          <p:cNvSpPr>
+            <a:spLocks noGrp="1"/>
+          </p:cNvSpPr>
+          <p:nvPr>
+            <p:ph type="sldNum" sz="quarter" idx="5"/>
+          </p:nvPr>
+        </p:nvSpPr>
+        <p:spPr>
+          <a:xfrm>
+            <a:off x="3884613" y="8685213"/>
+            <a:ext cx="2971800" cy="458787"/>
+          </a:xfrm>
+          <a:prstGeom prst="rect">
+            <a:avLst/>
+          </a:prstGeom>
+        </p:spPr>
+        <p:txBody>
+          <a:bodyPr vert="horz" lIns="91440" tIns="45720" rIns="91440" bIns="45720" rtlCol="0" anchor="b"/>
+          <a:lstStyle>
+            <a:lvl1pPr algn="r">
+              <a:defRPr sz="1200"/>
+            </a:lvl1pPr>
+          </a:lstStyle>
+          <a:p>
+            <a:fld id="{3020DE8B-847B-48FB-AE86-BD152F2AC84E}" type="slidenum">
+              <a:rPr lang="en-IE" smtClean="0"/>
+              <a:t>‹#›</a:t>
+            </a:fld>
+            <a:endParaRPr lang="en-IE"/>
+          </a:p>
+        </p:txBody>
+      </p:sp>
+    </p:spTree>
+    <p:extLst>
+      <p:ext uri="{BB962C8B-B14F-4D97-AF65-F5344CB8AC3E}">
+        <p14:creationId xmlns:p14="http://schemas.microsoft.com/office/powerpoint/2010/main" val="3245836014"/>
+      </p:ext>
+    </p:extLst>
+  </p:cSld>
+  <p:clrMap bg1="lt1" tx1="dk1" bg2="lt2" tx2="dk2" accent1="accent1" accent2="accent2" accent3="accent3" accent4="accent4" accent5="accent5" accent6="accent6" hlink="hlink" folHlink="folHlink"/>
+  <p:notesStyle>
+    <a:lvl1pPr marL="0" algn="l" defTabSz="914400" rtl="0" eaLnBrk="1" latinLnBrk="0" hangingPunct="1">
+      <a:defRPr sz="1200" kern="1200">
+        <a:solidFill>
+          <a:schemeClr val="tx1"/>
+        </a:solidFill>
+        <a:latin typeface="+mn-lt"/>
+        <a:ea typeface="+mn-ea"/>
+        <a:cs typeface="+mn-cs"/>
+      </a:defRPr>
+    </a:lvl1pPr>
+    <a:lvl2pPr marL="457200" algn="l" defTabSz="914400" rtl="0" eaLnBrk="1" latinLnBrk="0" hangingPunct="1">
+      <a:defRPr sz="1200" kern="1200">
+        <a:solidFill>
+          <a:schemeClr val="tx1"/>
+        </a:solidFill>
+        <a:latin typeface="+mn-lt"/>
+        <a:ea typeface="+mn-ea"/>
+        <a:cs typeface="+mn-cs"/>
+      </a:defRPr>
+    </a:lvl2pPr>
+    <a:lvl3pPr marL="914400" algn="l" defTabSz="914400" rtl="0" eaLnBrk="1" latinLnBrk="0" hangingPunct="1">
+      <a:defRPr sz="1200" kern="1200">
+        <a:solidFill>
+          <a:schemeClr val="tx1"/>
+        </a:solidFill>
+        <a:latin typeface="+mn-lt"/>
+        <a:ea typeface="+mn-ea"/>
+        <a:cs typeface="+mn-cs"/>
+      </a:defRPr>
+    </a:lvl3pPr>
+    <a:lvl4pPr marL="1371600" algn="l" defTabSz="914400" rtl="0" eaLnBrk="1" latinLnBrk="0" hangingPunct="1">
+      <a:defRPr sz="1200" kern="1200">
+        <a:solidFill>
+          <a:schemeClr val="tx1"/>
+        </a:solidFill>
+        <a:latin typeface="+mn-lt"/>
+        <a:ea typeface="+mn-ea"/>
+        <a:cs typeface="+mn-cs"/>
+      </a:defRPr>
+    </a:lvl4pPr>
+    <a:lvl5pPr marL="1828800" algn="l" defTabSz="914400" rtl="0" eaLnBrk="1" latinLnBrk="0" hangingPunct="1">
+      <a:defRPr sz="1200" kern="1200">
+        <a:solidFill>
+          <a:schemeClr val="tx1"/>
+        </a:solidFill>
+        <a:latin typeface="+mn-lt"/>
+        <a:ea typeface="+mn-ea"/>
+        <a:cs typeface="+mn-cs"/>
+      </a:defRPr>
+    </a:lvl5pPr>
+    <a:lvl6pPr marL="2286000" algn="l" defTabSz="914400" rtl="0" eaLnBrk="1" latinLnBrk="0" hangingPunct="1">
+      <a:defRPr sz="1200" kern="1200">
+        <a:solidFill>
+          <a:schemeClr val="tx1"/>
+        </a:solidFill>
+        <a:latin typeface="+mn-lt"/>
+        <a:ea typeface="+mn-ea"/>
+        <a:cs typeface="+mn-cs"/>
+      </a:defRPr>
+    </a:lvl6pPr>
+    <a:lvl7pPr marL="2743200" algn="l" defTabSz="914400" rtl="0" eaLnBrk="1" latinLnBrk="0" hangingPunct="1">
+      <a:defRPr sz="1200" kern="1200">
+        <a:solidFill>
+          <a:schemeClr val="tx1"/>
+        </a:solidFill>
+        <a:latin typeface="+mn-lt"/>
+        <a:ea typeface="+mn-ea"/>
+        <a:cs typeface="+mn-cs"/>
+      </a:defRPr>
+    </a:lvl7pPr>
+    <a:lvl8pPr marL="3200400" algn="l" defTabSz="914400" rtl="0" eaLnBrk="1" latinLnBrk="0" hangingPunct="1">
+      <a:defRPr sz="1200" kern="1200">
+        <a:solidFill>
+          <a:schemeClr val="tx1"/>
+        </a:solidFill>
+        <a:latin typeface="+mn-lt"/>
+        <a:ea typeface="+mn-ea"/>
+        <a:cs typeface="+mn-cs"/>
+      </a:defRPr>
+    </a:lvl8pPr>
+    <a:lvl9pPr marL="3657600" algn="l" defTabSz="914400" rtl="0" eaLnBrk="1" latinLnBrk="0" hangingPunct="1">
+      <a:defRPr sz="1200" kern="1200">
+        <a:solidFill>
+          <a:schemeClr val="tx1"/>
+        </a:solidFill>
+        <a:latin typeface="+mn-lt"/>
+        <a:ea typeface="+mn-ea"/>
+        <a:cs typeface="+mn-cs"/>
+      </a:defRPr>
+    </a:lvl9pPr>
+  </p:notesStyle>
+</p:notesMaster>
+</file>
+
+<file path=ppt/notesSlides/notesSlide1.xml><?xml version="1.0" encoding="utf-8"?>
+<p:notes xmlns:a="http://schemas.openxmlformats.org/drawingml/2006/main" xmlns:r="http://schemas.openxmlformats.org/officeDocument/2006/relationships" xmlns:p="http://schemas.openxmlformats.org/presentationml/2006/main">
+  <p:cSld>
+    <p:spTree>
+      <p:nvGrpSpPr>
+        <p:cNvPr id="1" name=""/>
+        <p:cNvGrpSpPr/>
+        <p:nvPr/>
+      </p:nvGrpSpPr>
+      <p:grpSpPr>
+        <a:xfrm>
+          <a:off x="0" y="0"/>
+          <a:ext cx="0" cy="0"/>
+          <a:chOff x="0" y="0"/>
+          <a:chExt cx="0" cy="0"/>
+        </a:xfrm>
+      </p:grpSpPr>
+      <p:sp>
+        <p:nvSpPr>
+          <p:cNvPr id="2" name="Slide Image Placeholder 1"/>
+          <p:cNvSpPr>
+            <a:spLocks noGrp="1" noRot="1" noChangeAspect="1"/>
+          </p:cNvSpPr>
+          <p:nvPr>
+            <p:ph type="sldImg"/>
+          </p:nvPr>
+        </p:nvSpPr>
+        <p:spPr/>
+      </p:sp>
+      <p:sp>
+        <p:nvSpPr>
+          <p:cNvPr id="3" name="Notes Placeholder 2"/>
+          <p:cNvSpPr>
+            <a:spLocks noGrp="1"/>
+          </p:cNvSpPr>
+          <p:nvPr>
+            <p:ph type="body" idx="1"/>
+          </p:nvPr>
+        </p:nvSpPr>
+        <p:spPr/>
+        <p:txBody>
+          <a:bodyPr/>
+          <a:lstStyle/>
+          <a:p>
+            <a:r>
+              <a:rPr lang="en-GB" dirty="0"/>
+              <a:t>The recent rise in Artificial Intelligence (AI) and Machine Learning (ML) is providing a wide range of capabilities to todays developers. ML models can be trained to recognize different things in images, including unripe fruit, and this can be used in IoT devices to help sort produce either as it is being harvested, or during processing in factories or warehouses.</a:t>
+            </a:r>
+          </a:p>
+          <a:p>
+            <a:endParaRPr lang="en-GB" dirty="0"/>
+          </a:p>
+          <a:p>
+            <a:r>
+              <a:rPr lang="en-GB" dirty="0"/>
+              <a:t>In this lesson you will learn about image classification - using ML models to distinguish between images of different things. You will learn how to train an image classifier to distinguish between fruit that is good, and fruit that is bad, either under or over ripe, bruised, or rotten.</a:t>
+            </a:r>
+            <a:endParaRPr lang="en-IE" dirty="0"/>
+          </a:p>
+        </p:txBody>
+      </p:sp>
+      <p:sp>
+        <p:nvSpPr>
+          <p:cNvPr id="4" name="Slide Number Placeholder 3"/>
+          <p:cNvSpPr>
+            <a:spLocks noGrp="1"/>
+          </p:cNvSpPr>
+          <p:nvPr>
+            <p:ph type="sldNum" sz="quarter" idx="5"/>
+          </p:nvPr>
+        </p:nvSpPr>
+        <p:spPr/>
+        <p:txBody>
+          <a:bodyPr/>
+          <a:lstStyle/>
+          <a:p>
+            <a:fld id="{3020DE8B-847B-48FB-AE86-BD152F2AC84E}" type="slidenum">
+              <a:rPr lang="en-IE" smtClean="0"/>
+              <a:t>1</a:t>
+            </a:fld>
+            <a:endParaRPr lang="en-IE"/>
+          </a:p>
+        </p:txBody>
+      </p:sp>
+    </p:spTree>
+    <p:extLst>
+      <p:ext uri="{BB962C8B-B14F-4D97-AF65-F5344CB8AC3E}">
+        <p14:creationId xmlns:p14="http://schemas.microsoft.com/office/powerpoint/2010/main" val="3259817466"/>
+      </p:ext>
+    </p:extLst>
+  </p:cSld>
+  <p:clrMapOvr>
+    <a:masterClrMapping/>
+  </p:clrMapOvr>
+</p:notes>
+</file>
+
+<file path=ppt/notesSlides/notesSlide2.xml><?xml version="1.0" encoding="utf-8"?>
+<p:notes xmlns:a="http://schemas.openxmlformats.org/drawingml/2006/main" xmlns:r="http://schemas.openxmlformats.org/officeDocument/2006/relationships" xmlns:p="http://schemas.openxmlformats.org/presentationml/2006/main">
+  <p:cSld>
+    <p:spTree>
+      <p:nvGrpSpPr>
+        <p:cNvPr id="1" name=""/>
+        <p:cNvGrpSpPr/>
+        <p:nvPr/>
+      </p:nvGrpSpPr>
+      <p:grpSpPr>
+        <a:xfrm>
+          <a:off x="0" y="0"/>
+          <a:ext cx="0" cy="0"/>
+          <a:chOff x="0" y="0"/>
+          <a:chExt cx="0" cy="0"/>
+        </a:xfrm>
+      </p:grpSpPr>
+      <p:sp>
+        <p:nvSpPr>
+          <p:cNvPr id="2" name="Slide Image Placeholder 1"/>
+          <p:cNvSpPr>
+            <a:spLocks noGrp="1" noRot="1" noChangeAspect="1"/>
+          </p:cNvSpPr>
+          <p:nvPr>
+            <p:ph type="sldImg"/>
+          </p:nvPr>
+        </p:nvSpPr>
+        <p:spPr/>
+      </p:sp>
+      <p:sp>
+        <p:nvSpPr>
+          <p:cNvPr id="3" name="Notes Placeholder 2"/>
+          <p:cNvSpPr>
+            <a:spLocks noGrp="1"/>
+          </p:cNvSpPr>
+          <p:nvPr>
+            <p:ph type="body" idx="1"/>
+          </p:nvPr>
+        </p:nvSpPr>
+        <p:spPr/>
+        <p:txBody>
+          <a:bodyPr/>
+          <a:lstStyle/>
+          <a:p>
+            <a:r>
+              <a:rPr lang="en-GB" b="0" i="0" dirty="0">
+                <a:solidFill>
+                  <a:srgbClr val="333333"/>
+                </a:solidFill>
+                <a:effectLst/>
+                <a:latin typeface="Open Sans" panose="020B0606030504020204" pitchFamily="34" charset="0"/>
+              </a:rPr>
+              <a:t>Feeding the global population is hard, especially at a price that makes food affordable for all. One of the largest costs is </a:t>
+            </a:r>
+            <a:r>
+              <a:rPr lang="en-GB" b="0" i="0" dirty="0" err="1">
+                <a:solidFill>
+                  <a:srgbClr val="333333"/>
+                </a:solidFill>
+                <a:effectLst/>
+                <a:latin typeface="Open Sans" panose="020B0606030504020204" pitchFamily="34" charset="0"/>
+              </a:rPr>
+              <a:t>labor</a:t>
+            </a:r>
+            <a:r>
+              <a:rPr lang="en-GB" b="0" i="0" dirty="0">
+                <a:solidFill>
+                  <a:srgbClr val="333333"/>
+                </a:solidFill>
+                <a:effectLst/>
+                <a:latin typeface="Open Sans" panose="020B0606030504020204" pitchFamily="34" charset="0"/>
+              </a:rPr>
+              <a:t>, so farmers are increasingly turning to automation and tools like IoT to reduce their </a:t>
+            </a:r>
+            <a:r>
+              <a:rPr lang="en-GB" b="0" i="0" dirty="0" err="1">
+                <a:solidFill>
+                  <a:srgbClr val="333333"/>
+                </a:solidFill>
+                <a:effectLst/>
+                <a:latin typeface="Open Sans" panose="020B0606030504020204" pitchFamily="34" charset="0"/>
+              </a:rPr>
+              <a:t>labor</a:t>
+            </a:r>
+            <a:r>
+              <a:rPr lang="en-GB" b="0" i="0" dirty="0">
+                <a:solidFill>
+                  <a:srgbClr val="333333"/>
+                </a:solidFill>
+                <a:effectLst/>
+                <a:latin typeface="Open Sans" panose="020B0606030504020204" pitchFamily="34" charset="0"/>
+              </a:rPr>
+              <a:t> costs. Harvesting by hand is </a:t>
+            </a:r>
+            <a:r>
+              <a:rPr lang="en-GB" b="0" i="0" dirty="0" err="1">
+                <a:solidFill>
+                  <a:srgbClr val="333333"/>
+                </a:solidFill>
+                <a:effectLst/>
+                <a:latin typeface="Open Sans" panose="020B0606030504020204" pitchFamily="34" charset="0"/>
+              </a:rPr>
+              <a:t>labor</a:t>
+            </a:r>
+            <a:r>
+              <a:rPr lang="en-GB" b="0" i="0" dirty="0">
+                <a:solidFill>
+                  <a:srgbClr val="333333"/>
+                </a:solidFill>
+                <a:effectLst/>
+                <a:latin typeface="Open Sans" panose="020B0606030504020204" pitchFamily="34" charset="0"/>
+              </a:rPr>
+              <a:t> intensive (and often backbreaking work), and is being replaced by machinery, especially in richer nations. Despite the savings in cost of using machinery to harvest, there is a downside - the ability to sort food as it is being harvested.</a:t>
+            </a:r>
+            <a:endParaRPr lang="en-IE" dirty="0"/>
+          </a:p>
+        </p:txBody>
+      </p:sp>
+      <p:sp>
+        <p:nvSpPr>
+          <p:cNvPr id="4" name="Slide Number Placeholder 3"/>
+          <p:cNvSpPr>
+            <a:spLocks noGrp="1"/>
+          </p:cNvSpPr>
+          <p:nvPr>
+            <p:ph type="sldNum" sz="quarter" idx="5"/>
+          </p:nvPr>
+        </p:nvSpPr>
+        <p:spPr/>
+        <p:txBody>
+          <a:bodyPr/>
+          <a:lstStyle/>
+          <a:p>
+            <a:fld id="{3020DE8B-847B-48FB-AE86-BD152F2AC84E}" type="slidenum">
+              <a:rPr lang="en-IE" smtClean="0"/>
+              <a:t>2</a:t>
+            </a:fld>
+            <a:endParaRPr lang="en-IE"/>
+          </a:p>
+        </p:txBody>
+      </p:sp>
+    </p:spTree>
+    <p:extLst>
+      <p:ext uri="{BB962C8B-B14F-4D97-AF65-F5344CB8AC3E}">
+        <p14:creationId xmlns:p14="http://schemas.microsoft.com/office/powerpoint/2010/main" val="1780567380"/>
+      </p:ext>
+    </p:extLst>
+  </p:cSld>
+  <p:clrMapOvr>
+    <a:masterClrMapping/>
+  </p:clrMapOvr>
+</p:notes>
+</file>
+
+<file path=ppt/notesSlides/notesSlide3.xml><?xml version="1.0" encoding="utf-8"?>
+<p:notes xmlns:a="http://schemas.openxmlformats.org/drawingml/2006/main" xmlns:r="http://schemas.openxmlformats.org/officeDocument/2006/relationships" xmlns:p="http://schemas.openxmlformats.org/presentationml/2006/main">
+  <p:cSld>
+    <p:spTree>
+      <p:nvGrpSpPr>
+        <p:cNvPr id="1" name=""/>
+        <p:cNvGrpSpPr/>
+        <p:nvPr/>
+      </p:nvGrpSpPr>
+      <p:grpSpPr>
+        <a:xfrm>
+          <a:off x="0" y="0"/>
+          <a:ext cx="0" cy="0"/>
+          <a:chOff x="0" y="0"/>
+          <a:chExt cx="0" cy="0"/>
+        </a:xfrm>
+      </p:grpSpPr>
+      <p:sp>
+        <p:nvSpPr>
+          <p:cNvPr id="2" name="Slide Image Placeholder 1"/>
+          <p:cNvSpPr>
+            <a:spLocks noGrp="1" noRot="1" noChangeAspect="1"/>
+          </p:cNvSpPr>
+          <p:nvPr>
+            <p:ph type="sldImg"/>
+          </p:nvPr>
+        </p:nvSpPr>
+        <p:spPr/>
+      </p:sp>
+      <p:sp>
+        <p:nvSpPr>
+          <p:cNvPr id="3" name="Notes Placeholder 2"/>
+          <p:cNvSpPr>
+            <a:spLocks noGrp="1"/>
+          </p:cNvSpPr>
+          <p:nvPr>
+            <p:ph type="body" idx="1"/>
+          </p:nvPr>
+        </p:nvSpPr>
+        <p:spPr/>
+        <p:txBody>
+          <a:bodyPr/>
+          <a:lstStyle/>
+          <a:p>
+            <a:r>
+              <a:rPr lang="en-IE" dirty="0"/>
+              <a:t>GPUs</a:t>
+            </a:r>
+          </a:p>
+        </p:txBody>
+      </p:sp>
+      <p:sp>
+        <p:nvSpPr>
+          <p:cNvPr id="4" name="Slide Number Placeholder 3"/>
+          <p:cNvSpPr>
+            <a:spLocks noGrp="1"/>
+          </p:cNvSpPr>
+          <p:nvPr>
+            <p:ph type="sldNum" sz="quarter" idx="5"/>
+          </p:nvPr>
+        </p:nvSpPr>
+        <p:spPr/>
+        <p:txBody>
+          <a:bodyPr/>
+          <a:lstStyle/>
+          <a:p>
+            <a:fld id="{3020DE8B-847B-48FB-AE86-BD152F2AC84E}" type="slidenum">
+              <a:rPr lang="en-IE" smtClean="0"/>
+              <a:t>6</a:t>
+            </a:fld>
+            <a:endParaRPr lang="en-IE"/>
+          </a:p>
+        </p:txBody>
+      </p:sp>
+    </p:spTree>
+    <p:extLst>
+      <p:ext uri="{BB962C8B-B14F-4D97-AF65-F5344CB8AC3E}">
+        <p14:creationId xmlns:p14="http://schemas.microsoft.com/office/powerpoint/2010/main" val="3138179682"/>
+      </p:ext>
+    </p:extLst>
+  </p:cSld>
+  <p:clrMapOvr>
+    <a:masterClrMapping/>
+  </p:clrMapOvr>
+</p:notes>
+</file>
+
 <file path=ppt/slideLayouts/slideLayout1.xml><?xml version="1.0" encoding="utf-8"?>
 <p:sldLayout xmlns:a="http://schemas.openxmlformats.org/drawingml/2006/main" xmlns:r="http://schemas.openxmlformats.org/officeDocument/2006/relationships" xmlns:p="http://schemas.openxmlformats.org/presentationml/2006/main" type="title" preserve="1">
   <p:cSld name="Title Slide">
@@ -2875,7 +3556,7 @@
           <a:p>
             <a:fld id="{21A5D980-FB4D-475E-8D87-DE3E8282E11E}" type="datetimeFigureOut">
               <a:rPr lang="en-IE" smtClean="0"/>
-              <a:t>09/03/2025</a:t>
+              <a:t>10/03/2025</a:t>
             </a:fld>
             <a:endParaRPr lang="en-IE"/>
           </a:p>
@@ -3075,7 +3756,7 @@
           <a:p>
             <a:fld id="{21A5D980-FB4D-475E-8D87-DE3E8282E11E}" type="datetimeFigureOut">
               <a:rPr lang="en-IE" smtClean="0"/>
-              <a:t>09/03/2025</a:t>
+              <a:t>10/03/2025</a:t>
             </a:fld>
             <a:endParaRPr lang="en-IE"/>
           </a:p>
@@ -3285,7 +3966,7 @@
           <a:p>
             <a:fld id="{21A5D980-FB4D-475E-8D87-DE3E8282E11E}" type="datetimeFigureOut">
               <a:rPr lang="en-IE" smtClean="0"/>
-              <a:t>09/03/2025</a:t>
+              <a:t>10/03/2025</a:t>
             </a:fld>
             <a:endParaRPr lang="en-IE"/>
           </a:p>
@@ -3485,7 +4166,7 @@
           <a:p>
             <a:fld id="{21A5D980-FB4D-475E-8D87-DE3E8282E11E}" type="datetimeFigureOut">
               <a:rPr lang="en-IE" smtClean="0"/>
-              <a:t>09/03/2025</a:t>
+              <a:t>10/03/2025</a:t>
             </a:fld>
             <a:endParaRPr lang="en-IE"/>
           </a:p>
@@ -3761,7 +4442,7 @@
           <a:p>
             <a:fld id="{21A5D980-FB4D-475E-8D87-DE3E8282E11E}" type="datetimeFigureOut">
               <a:rPr lang="en-IE" smtClean="0"/>
-              <a:t>09/03/2025</a:t>
+              <a:t>10/03/2025</a:t>
             </a:fld>
             <a:endParaRPr lang="en-IE"/>
           </a:p>
@@ -4029,7 +4710,7 @@
           <a:p>
             <a:fld id="{21A5D980-FB4D-475E-8D87-DE3E8282E11E}" type="datetimeFigureOut">
               <a:rPr lang="en-IE" smtClean="0"/>
-              <a:t>09/03/2025</a:t>
+              <a:t>10/03/2025</a:t>
             </a:fld>
             <a:endParaRPr lang="en-IE"/>
           </a:p>
@@ -4444,7 +5125,7 @@
           <a:p>
             <a:fld id="{21A5D980-FB4D-475E-8D87-DE3E8282E11E}" type="datetimeFigureOut">
               <a:rPr lang="en-IE" smtClean="0"/>
-              <a:t>09/03/2025</a:t>
+              <a:t>10/03/2025</a:t>
             </a:fld>
             <a:endParaRPr lang="en-IE"/>
           </a:p>
@@ -4586,7 +5267,7 @@
           <a:p>
             <a:fld id="{21A5D980-FB4D-475E-8D87-DE3E8282E11E}" type="datetimeFigureOut">
               <a:rPr lang="en-IE" smtClean="0"/>
-              <a:t>09/03/2025</a:t>
+              <a:t>10/03/2025</a:t>
             </a:fld>
             <a:endParaRPr lang="en-IE"/>
           </a:p>
@@ -4699,7 +5380,7 @@
           <a:p>
             <a:fld id="{21A5D980-FB4D-475E-8D87-DE3E8282E11E}" type="datetimeFigureOut">
               <a:rPr lang="en-IE" smtClean="0"/>
-              <a:t>09/03/2025</a:t>
+              <a:t>10/03/2025</a:t>
             </a:fld>
             <a:endParaRPr lang="en-IE"/>
           </a:p>
@@ -5012,7 +5693,7 @@
           <a:p>
             <a:fld id="{21A5D980-FB4D-475E-8D87-DE3E8282E11E}" type="datetimeFigureOut">
               <a:rPr lang="en-IE" smtClean="0"/>
-              <a:t>09/03/2025</a:t>
+              <a:t>10/03/2025</a:t>
             </a:fld>
             <a:endParaRPr lang="en-IE"/>
           </a:p>
@@ -5301,7 +5982,7 @@
           <a:p>
             <a:fld id="{21A5D980-FB4D-475E-8D87-DE3E8282E11E}" type="datetimeFigureOut">
               <a:rPr lang="en-IE" smtClean="0"/>
-              <a:t>09/03/2025</a:t>
+              <a:t>10/03/2025</a:t>
             </a:fld>
             <a:endParaRPr lang="en-IE"/>
           </a:p>
@@ -5544,7 +6225,7 @@
           <a:p>
             <a:fld id="{21A5D980-FB4D-475E-8D87-DE3E8282E11E}" type="datetimeFigureOut">
               <a:rPr lang="en-IE" smtClean="0"/>
-              <a:t>09/03/2025</a:t>
+              <a:t>10/03/2025</a:t>
             </a:fld>
             <a:endParaRPr lang="en-IE"/>
           </a:p>
@@ -6346,7 +7027,7 @@
           <p:nvPr>
             <p:extLst>
               <p:ext uri="{D42A27DB-BD31-4B8C-83A1-F6EECF244321}">
-                <p14:modId xmlns:p14="http://schemas.microsoft.com/office/powerpoint/2010/main" val="2702820823"/>
+                <p14:modId xmlns:p14="http://schemas.microsoft.com/office/powerpoint/2010/main" val="738799992"/>
               </p:ext>
             </p:extLst>
           </p:nvPr>
@@ -7110,7 +7791,7 @@
           <p:nvPr/>
         </p:nvPicPr>
         <p:blipFill>
-          <a:blip r:embed="rId2"/>
+          <a:blip r:embed="rId3"/>
           <a:stretch>
             <a:fillRect/>
           </a:stretch>
@@ -8147,4 +8828,319 @@
     </a:ext>
   </a:extLst>
 </a:theme>
+</file>
+
+<file path=ppt/theme/theme2.xml><?xml version="1.0" encoding="utf-8"?>
+<a:theme xmlns:a="http://schemas.openxmlformats.org/drawingml/2006/main" name="Office Theme">
+  <a:themeElements>
+    <a:clrScheme name="Office">
+      <a:dk1>
+        <a:sysClr val="windowText" lastClr="000000"/>
+      </a:dk1>
+      <a:lt1>
+        <a:sysClr val="window" lastClr="FFFFFF"/>
+      </a:lt1>
+      <a:dk2>
+        <a:srgbClr val="0E2841"/>
+      </a:dk2>
+      <a:lt2>
+        <a:srgbClr val="E8E8E8"/>
+      </a:lt2>
+      <a:accent1>
+        <a:srgbClr val="156082"/>
+      </a:accent1>
+      <a:accent2>
+        <a:srgbClr val="E97132"/>
+      </a:accent2>
+      <a:accent3>
+        <a:srgbClr val="196B24"/>
+      </a:accent3>
+      <a:accent4>
+        <a:srgbClr val="0F9ED5"/>
+      </a:accent4>
+      <a:accent5>
+        <a:srgbClr val="A02B93"/>
+      </a:accent5>
+      <a:accent6>
+        <a:srgbClr val="4EA72E"/>
+      </a:accent6>
+      <a:hlink>
+        <a:srgbClr val="467886"/>
+      </a:hlink>
+      <a:folHlink>
+        <a:srgbClr val="96607D"/>
+      </a:folHlink>
+    </a:clrScheme>
+    <a:fontScheme name="Office">
+      <a:majorFont>
+        <a:latin typeface="Aptos Display" panose="02110004020202020204"/>
+        <a:ea typeface=""/>
+        <a:cs typeface=""/>
+        <a:font script="Jpan" typeface="游ゴシック Light"/>
+        <a:font script="Hang" typeface="맑은 고딕"/>
+        <a:font script="Hans" typeface="等线 Light"/>
+        <a:font script="Hant" typeface="新細明體"/>
+        <a:font script="Arab" typeface="Times New Roman"/>
+        <a:font script="Hebr" typeface="Times New Roman"/>
+        <a:font script="Thai" typeface="Angsana New"/>
+        <a:font script="Ethi" typeface="Nyala"/>
+        <a:font script="Beng" typeface="Vrinda"/>
+        <a:font script="Gujr" typeface="Shruti"/>
+        <a:font script="Khmr" typeface="MoolBoran"/>
+        <a:font script="Knda" typeface="Tunga"/>
+        <a:font script="Guru" typeface="Raavi"/>
+        <a:font script="Cans" typeface="Euphemia"/>
+        <a:font script="Cher" typeface="Plantagenet Cherokee"/>
+        <a:font script="Yiii" typeface="Microsoft Yi Baiti"/>
+        <a:font script="Tibt" typeface="Microsoft Himalaya"/>
+        <a:font script="Thaa" typeface="MV Boli"/>
+        <a:font script="Deva" typeface="Mangal"/>
+        <a:font script="Telu" typeface="Gautami"/>
+        <a:font script="Taml" typeface="Latha"/>
+        <a:font script="Syrc" typeface="Estrangelo Edessa"/>
+        <a:font script="Orya" typeface="Kalinga"/>
+        <a:font script="Mlym" typeface="Kartika"/>
+        <a:font script="Laoo" typeface="DokChampa"/>
+        <a:font script="Sinh" typeface="Iskoola Pota"/>
+        <a:font script="Mong" typeface="Mongolian Baiti"/>
+        <a:font script="Viet" typeface="Times New Roman"/>
+        <a:font script="Uigh" typeface="Microsoft Uighur"/>
+        <a:font script="Geor" typeface="Sylfaen"/>
+        <a:font script="Armn" typeface="Arial"/>
+        <a:font script="Bugi" typeface="Leelawadee UI"/>
+        <a:font script="Bopo" typeface="Microsoft JhengHei"/>
+        <a:font script="Java" typeface="Javanese Text"/>
+        <a:font script="Lisu" typeface="Segoe UI"/>
+        <a:font script="Mymr" typeface="Myanmar Text"/>
+        <a:font script="Nkoo" typeface="Ebrima"/>
+        <a:font script="Olck" typeface="Nirmala UI"/>
+        <a:font script="Osma" typeface="Ebrima"/>
+        <a:font script="Phag" typeface="Phagspa"/>
+        <a:font script="Syrn" typeface="Estrangelo Edessa"/>
+        <a:font script="Syrj" typeface="Estrangelo Edessa"/>
+        <a:font script="Syre" typeface="Estrangelo Edessa"/>
+        <a:font script="Sora" typeface="Nirmala UI"/>
+        <a:font script="Tale" typeface="Microsoft Tai Le"/>
+        <a:font script="Talu" typeface="Microsoft New Tai Lue"/>
+        <a:font script="Tfng" typeface="Ebrima"/>
+      </a:majorFont>
+      <a:minorFont>
+        <a:latin typeface="Aptos" panose="02110004020202020204"/>
+        <a:ea typeface=""/>
+        <a:cs typeface=""/>
+        <a:font script="Jpan" typeface="游ゴシック"/>
+        <a:font script="Hang" typeface="맑은 고딕"/>
+        <a:font script="Hans" typeface="等线"/>
+        <a:font script="Hant" typeface="新細明體"/>
+        <a:font script="Arab" typeface="Arial"/>
+        <a:font script="Hebr" typeface="Arial"/>
+        <a:font script="Thai" typeface="Cordia New"/>
+        <a:font script="Ethi" typeface="Nyala"/>
+        <a:font script="Beng" typeface="Vrinda"/>
+        <a:font script="Gujr" typeface="Shruti"/>
+        <a:font script="Khmr" typeface="DaunPenh"/>
+        <a:font script="Knda" typeface="Tunga"/>
+        <a:font script="Guru" typeface="Raavi"/>
+        <a:font script="Cans" typeface="Euphemia"/>
+        <a:font script="Cher" typeface="Plantagenet Cherokee"/>
+        <a:font script="Yiii" typeface="Microsoft Yi Baiti"/>
+        <a:font script="Tibt" typeface="Microsoft Himalaya"/>
+        <a:font script="Thaa" typeface="MV Boli"/>
+        <a:font script="Deva" typeface="Mangal"/>
+        <a:font script="Telu" typeface="Gautami"/>
+        <a:font script="Taml" typeface="Latha"/>
+        <a:font script="Syrc" typeface="Estrangelo Edessa"/>
+        <a:font script="Orya" typeface="Kalinga"/>
+        <a:font script="Mlym" typeface="Kartika"/>
+        <a:font script="Laoo" typeface="DokChampa"/>
+        <a:font script="Sinh" typeface="Iskoola Pota"/>
+        <a:font script="Mong" typeface="Mongolian Baiti"/>
+        <a:font script="Viet" typeface="Arial"/>
+        <a:font script="Uigh" typeface="Microsoft Uighur"/>
+        <a:font script="Geor" typeface="Sylfaen"/>
+        <a:font script="Armn" typeface="Arial"/>
+        <a:font script="Bugi" typeface="Leelawadee UI"/>
+        <a:font script="Bopo" typeface="Microsoft JhengHei"/>
+        <a:font script="Java" typeface="Javanese Text"/>
+        <a:font script="Lisu" typeface="Segoe UI"/>
+        <a:font script="Mymr" typeface="Myanmar Text"/>
+        <a:font script="Nkoo" typeface="Ebrima"/>
+        <a:font script="Olck" typeface="Nirmala UI"/>
+        <a:font script="Osma" typeface="Ebrima"/>
+        <a:font script="Phag" typeface="Phagspa"/>
+        <a:font script="Syrn" typeface="Estrangelo Edessa"/>
+        <a:font script="Syrj" typeface="Estrangelo Edessa"/>
+        <a:font script="Syre" typeface="Estrangelo Edessa"/>
+        <a:font script="Sora" typeface="Nirmala UI"/>
+        <a:font script="Tale" typeface="Microsoft Tai Le"/>
+        <a:font script="Talu" typeface="Microsoft New Tai Lue"/>
+        <a:font script="Tfng" typeface="Ebrima"/>
+      </a:minorFont>
+    </a:fontScheme>
+    <a:fmtScheme name="Office">
+      <a:fillStyleLst>
+        <a:solidFill>
+          <a:schemeClr val="phClr"/>
+        </a:solidFill>
+        <a:gradFill rotWithShape="1">
+          <a:gsLst>
+            <a:gs pos="0">
+              <a:schemeClr val="phClr">
+                <a:lumMod val="110000"/>
+                <a:satMod val="105000"/>
+                <a:tint val="67000"/>
+              </a:schemeClr>
+            </a:gs>
+            <a:gs pos="50000">
+              <a:schemeClr val="phClr">
+                <a:lumMod val="105000"/>
+                <a:satMod val="103000"/>
+                <a:tint val="73000"/>
+              </a:schemeClr>
+            </a:gs>
+            <a:gs pos="100000">
+              <a:schemeClr val="phClr">
+                <a:lumMod val="105000"/>
+                <a:satMod val="109000"/>
+                <a:tint val="81000"/>
+              </a:schemeClr>
+            </a:gs>
+          </a:gsLst>
+          <a:lin ang="5400000" scaled="0"/>
+        </a:gradFill>
+        <a:gradFill rotWithShape="1">
+          <a:gsLst>
+            <a:gs pos="0">
+              <a:schemeClr val="phClr">
+                <a:satMod val="103000"/>
+                <a:lumMod val="102000"/>
+                <a:tint val="94000"/>
+              </a:schemeClr>
+            </a:gs>
+            <a:gs pos="50000">
+              <a:schemeClr val="phClr">
+                <a:satMod val="110000"/>
+                <a:lumMod val="100000"/>
+                <a:shade val="100000"/>
+              </a:schemeClr>
+            </a:gs>
+            <a:gs pos="100000">
+              <a:schemeClr val="phClr">
+                <a:lumMod val="99000"/>
+                <a:satMod val="120000"/>
+                <a:shade val="78000"/>
+              </a:schemeClr>
+            </a:gs>
+          </a:gsLst>
+          <a:lin ang="5400000" scaled="0"/>
+        </a:gradFill>
+      </a:fillStyleLst>
+      <a:lnStyleLst>
+        <a:ln w="12700" cap="flat" cmpd="sng" algn="ctr">
+          <a:solidFill>
+            <a:schemeClr val="phClr"/>
+          </a:solidFill>
+          <a:prstDash val="solid"/>
+          <a:miter lim="800000"/>
+        </a:ln>
+        <a:ln w="19050" cap="flat" cmpd="sng" algn="ctr">
+          <a:solidFill>
+            <a:schemeClr val="phClr"/>
+          </a:solidFill>
+          <a:prstDash val="solid"/>
+          <a:miter lim="800000"/>
+        </a:ln>
+        <a:ln w="25400" cap="flat" cmpd="sng" algn="ctr">
+          <a:solidFill>
+            <a:schemeClr val="phClr"/>
+          </a:solidFill>
+          <a:prstDash val="solid"/>
+          <a:miter lim="800000"/>
+        </a:ln>
+      </a:lnStyleLst>
+      <a:effectStyleLst>
+        <a:effectStyle>
+          <a:effectLst/>
+        </a:effectStyle>
+        <a:effectStyle>
+          <a:effectLst/>
+        </a:effectStyle>
+        <a:effectStyle>
+          <a:effectLst>
+            <a:outerShdw blurRad="57150" dist="19050" dir="5400000" algn="ctr" rotWithShape="0">
+              <a:srgbClr val="000000">
+                <a:alpha val="63000"/>
+              </a:srgbClr>
+            </a:outerShdw>
+          </a:effectLst>
+        </a:effectStyle>
+      </a:effectStyleLst>
+      <a:bgFillStyleLst>
+        <a:solidFill>
+          <a:schemeClr val="phClr"/>
+        </a:solidFill>
+        <a:solidFill>
+          <a:schemeClr val="phClr">
+            <a:tint val="95000"/>
+            <a:satMod val="170000"/>
+          </a:schemeClr>
+        </a:solidFill>
+        <a:gradFill rotWithShape="1">
+          <a:gsLst>
+            <a:gs pos="0">
+              <a:schemeClr val="phClr">
+                <a:tint val="93000"/>
+                <a:satMod val="150000"/>
+                <a:shade val="98000"/>
+                <a:lumMod val="102000"/>
+              </a:schemeClr>
+            </a:gs>
+            <a:gs pos="50000">
+              <a:schemeClr val="phClr">
+                <a:tint val="98000"/>
+                <a:satMod val="130000"/>
+                <a:shade val="90000"/>
+                <a:lumMod val="103000"/>
+              </a:schemeClr>
+            </a:gs>
+            <a:gs pos="100000">
+              <a:schemeClr val="phClr">
+                <a:shade val="63000"/>
+                <a:satMod val="120000"/>
+              </a:schemeClr>
+            </a:gs>
+          </a:gsLst>
+          <a:lin ang="5400000" scaled="0"/>
+        </a:gradFill>
+      </a:bgFillStyleLst>
+    </a:fmtScheme>
+  </a:themeElements>
+  <a:objectDefaults>
+    <a:lnDef>
+      <a:spPr/>
+      <a:bodyPr/>
+      <a:lstStyle/>
+      <a:style>
+        <a:lnRef idx="2">
+          <a:schemeClr val="accent1"/>
+        </a:lnRef>
+        <a:fillRef idx="0">
+          <a:schemeClr val="accent1"/>
+        </a:fillRef>
+        <a:effectRef idx="1">
+          <a:schemeClr val="accent1"/>
+        </a:effectRef>
+        <a:fontRef idx="minor">
+          <a:schemeClr val="tx1"/>
+        </a:fontRef>
+      </a:style>
+    </a:lnDef>
+  </a:objectDefaults>
+  <a:extraClrSchemeLst/>
+  <a:extLst>
+    <a:ext uri="{05A4C25C-085E-4340-85A3-A5531E510DB2}">
+      <thm15:themeFamily xmlns:thm15="http://schemas.microsoft.com/office/thememl/2012/main" name="Office Theme" id="{2E142A2C-CD16-42D6-873A-C26D2A0506FA}" vid="{1BDDFF52-6CD6-40A5-AB3C-68EB2F1E4D0A}"/>
+    </a:ext>
+  </a:extLst>
+</a:theme>
 </file>